--- a/第8組期末.pptx
+++ b/第8組期末.pptx
@@ -8525,61 +8525,114 @@
             <p:ph type="title"/>
           </p:nvPr>
         </p:nvSpPr>
-        <p:spPr/>
+        <p:spPr>
+          <a:xfrm>
+            <a:off x="763439" y="684311"/>
+            <a:ext cx="4058728" cy="1006837"/>
+          </a:xfrm>
+        </p:spPr>
+        <p:txBody>
+          <a:bodyPr>
+            <a:normAutofit/>
+          </a:bodyPr>
+          <a:lstStyle/>
+          <a:p>
+            <a:r>
+              <a:rPr lang="zh-TW" altLang="en-US" sz="4000" dirty="0"/>
+              <a:t>分工</a:t>
+            </a:r>
+            <a:endParaRPr lang="en-US" sz="4000" dirty="0"/>
+          </a:p>
+        </p:txBody>
+      </p:sp>
+      <p:sp>
+        <p:nvSpPr>
+          <p:cNvPr id="9" name="Content Placeholder 8">
+            <a:extLst>
+              <a:ext uri="{FF2B5EF4-FFF2-40B4-BE49-F238E27FC236}">
+                <a16:creationId xmlns:a16="http://schemas.microsoft.com/office/drawing/2014/main" id="{C1E39F92-B979-41AB-0918-CE4FADCA0D09}"/>
+              </a:ext>
+            </a:extLst>
+          </p:cNvPr>
+          <p:cNvSpPr>
+            <a:spLocks noGrp="1"/>
+          </p:cNvSpPr>
+          <p:nvPr>
+            <p:ph sz="quarter" idx="11"/>
+          </p:nvPr>
+        </p:nvSpPr>
+        <p:spPr>
+          <a:xfrm>
+            <a:off x="757600" y="3873909"/>
+            <a:ext cx="4064567" cy="2257321"/>
+          </a:xfrm>
+        </p:spPr>
         <p:txBody>
           <a:bodyPr/>
           <a:lstStyle/>
           <a:p>
             <a:r>
-              <a:rPr lang="en-US" dirty="0"/>
-              <a:t>Thank you</a:t>
-            </a:r>
-          </a:p>
-        </p:txBody>
-      </p:sp>
-      <p:sp>
-        <p:nvSpPr>
-          <p:cNvPr id="9" name="Content Placeholder 8">
-            <a:extLst>
-              <a:ext uri="{FF2B5EF4-FFF2-40B4-BE49-F238E27FC236}">
-                <a16:creationId xmlns:a16="http://schemas.microsoft.com/office/drawing/2014/main" id="{C1E39F92-B979-41AB-0918-CE4FADCA0D09}"/>
-              </a:ext>
-            </a:extLst>
-          </p:cNvPr>
-          <p:cNvSpPr>
-            <a:spLocks noGrp="1"/>
-          </p:cNvSpPr>
-          <p:nvPr>
-            <p:ph sz="quarter" idx="11"/>
-          </p:nvPr>
-        </p:nvSpPr>
-        <p:spPr/>
-        <p:txBody>
-          <a:bodyPr/>
-          <a:lstStyle/>
-          <a:p>
-            <a:r>
-              <a:rPr lang="en-US" dirty="0"/>
-              <a:t>Brita Tamm </a:t>
-            </a:r>
-          </a:p>
-          <a:p>
-            <a:r>
-              <a:rPr lang="en-US" dirty="0"/>
-              <a:t>502-555-0152 </a:t>
-            </a:r>
-          </a:p>
-          <a:p>
-            <a:r>
-              <a:rPr lang="en-US" dirty="0"/>
-              <a:t>brita@firstupconsultants.com </a:t>
-            </a:r>
-          </a:p>
-          <a:p>
-            <a:r>
-              <a:rPr lang="en-US" dirty="0"/>
-              <a:t>www.firstupconsultants.com</a:t>
-            </a:r>
+              <a:rPr lang="zh-TW" altLang="en-US" dirty="0"/>
+              <a:t>發想</a:t>
+            </a:r>
+            <a:r>
+              <a:rPr lang="en-US" altLang="zh-TW" dirty="0"/>
+              <a:t>:</a:t>
+            </a:r>
+            <a:r>
+              <a:rPr lang="zh-TW" altLang="en-US" dirty="0"/>
+              <a:t>吳建宏、林佛兒</a:t>
+            </a:r>
+            <a:endParaRPr lang="en-US" altLang="zh-TW" dirty="0"/>
+          </a:p>
+          <a:p>
+            <a:r>
+              <a:rPr lang="zh-TW" altLang="en-US" dirty="0"/>
+              <a:t>邏輯程式</a:t>
+            </a:r>
+            <a:r>
+              <a:rPr lang="en-US" altLang="zh-TW" dirty="0"/>
+              <a:t>:</a:t>
+            </a:r>
+            <a:r>
+              <a:rPr lang="zh-TW" altLang="en-US" dirty="0"/>
+              <a:t>林佛兒</a:t>
+            </a:r>
+            <a:endParaRPr lang="en-US" altLang="zh-TW" dirty="0"/>
+          </a:p>
+          <a:p>
+            <a:r>
+              <a:rPr lang="en-US" altLang="zh-TW" dirty="0"/>
+              <a:t>GUI</a:t>
+            </a:r>
+            <a:r>
+              <a:rPr lang="zh-TW" altLang="en-US" dirty="0"/>
+              <a:t>程式</a:t>
+            </a:r>
+            <a:r>
+              <a:rPr lang="en-US" altLang="zh-TW" dirty="0"/>
+              <a:t>:</a:t>
+            </a:r>
+            <a:r>
+              <a:rPr lang="zh-TW" altLang="en-US" dirty="0"/>
+              <a:t>吳建宏</a:t>
+            </a:r>
+            <a:endParaRPr lang="en-US" altLang="zh-TW" dirty="0"/>
+          </a:p>
+          <a:p>
+            <a:r>
+              <a:rPr lang="zh-TW" altLang="en-US" dirty="0"/>
+              <a:t>測試與調整</a:t>
+            </a:r>
+            <a:r>
+              <a:rPr lang="en-US" altLang="zh-TW" dirty="0"/>
+              <a:t>:</a:t>
+            </a:r>
+            <a:r>
+              <a:rPr lang="zh-TW" altLang="en-US" dirty="0"/>
+              <a:t>吳建宏、林佛兒</a:t>
+            </a:r>
+            <a:endParaRPr lang="en-US" dirty="0"/>
           </a:p>
         </p:txBody>
       </p:sp>
@@ -9388,6 +9441,26 @@
 </file>
 
 <file path=customXml/item1.xml><?xml version="1.0" encoding="utf-8"?>
+<p:properties xmlns:p="http://schemas.microsoft.com/office/2006/metadata/properties" xmlns:xsi="http://www.w3.org/2001/XMLSchema-instance" xmlns:pc="http://schemas.microsoft.com/office/infopath/2007/PartnerControls">
+  <documentManagement>
+    <_ip_UnifiedCompliancePolicyUIAction xmlns="http://schemas.microsoft.com/sharepoint/v3" xsi:nil="true"/>
+    <Image xmlns="71af3243-3dd4-4a8d-8c0d-dd76da1f02a5">
+      <Url xsi:nil="true"/>
+      <Description xsi:nil="true"/>
+    </Image>
+    <Status xmlns="71af3243-3dd4-4a8d-8c0d-dd76da1f02a5">Not started</Status>
+    <Background xmlns="71af3243-3dd4-4a8d-8c0d-dd76da1f02a5">false</Background>
+    <_ip_UnifiedCompliancePolicyProperties xmlns="http://schemas.microsoft.com/sharepoint/v3" xsi:nil="true"/>
+    <ImageTagsTaxHTField xmlns="71af3243-3dd4-4a8d-8c0d-dd76da1f02a5">
+      <Terms xmlns="http://schemas.microsoft.com/office/infopath/2007/PartnerControls"/>
+    </ImageTagsTaxHTField>
+    <TaxCatchAll xmlns="230e9df3-be65-4c73-a93b-d1236ebd677e" xsi:nil="true"/>
+    <MediaServiceKeyPoints xmlns="71af3243-3dd4-4a8d-8c0d-dd76da1f02a5" xsi:nil="true"/>
+  </documentManagement>
+</p:properties>
+</file>
+
+<file path=customXml/item2.xml><?xml version="1.0" encoding="utf-8"?>
 <ct:contentTypeSchema xmlns:ct="http://schemas.microsoft.com/office/2006/metadata/contentType" xmlns:ma="http://schemas.microsoft.com/office/2006/metadata/properties/metaAttributes" ct:_="" ma:_="" ma:contentTypeName="Document" ma:contentTypeID="0x01010079F111ED35F8CC479449609E8A0923A6" ma:contentTypeVersion="28" ma:contentTypeDescription="Create a new document." ma:contentTypeScope="" ma:versionID="60f5a4f2d2b0abadcf532d48ebf9cb71">
   <xsd:schema xmlns:xsd="http://www.w3.org/2001/XMLSchema" xmlns:xs="http://www.w3.org/2001/XMLSchema" xmlns:p="http://schemas.microsoft.com/office/2006/metadata/properties" xmlns:ns1="http://schemas.microsoft.com/sharepoint/v3" xmlns:ns2="71af3243-3dd4-4a8d-8c0d-dd76da1f02a5" xmlns:ns3="16c05727-aa75-4e4a-9b5f-8a80a1165891" xmlns:ns4="230e9df3-be65-4c73-a93b-d1236ebd677e" targetNamespace="http://schemas.microsoft.com/office/2006/metadata/properties" ma:root="true" ma:fieldsID="7dd78129e6a1811f84807ad11c651531" ns1:_="" ns2:_="" ns3:_="" ns4:_="">
     <xsd:import namespace="http://schemas.microsoft.com/sharepoint/v3"/>
@@ -9699,26 +9772,6 @@
 </ct:contentTypeSchema>
 </file>
 
-<file path=customXml/item2.xml><?xml version="1.0" encoding="utf-8"?>
-<p:properties xmlns:p="http://schemas.microsoft.com/office/2006/metadata/properties" xmlns:xsi="http://www.w3.org/2001/XMLSchema-instance" xmlns:pc="http://schemas.microsoft.com/office/infopath/2007/PartnerControls">
-  <documentManagement>
-    <_ip_UnifiedCompliancePolicyUIAction xmlns="http://schemas.microsoft.com/sharepoint/v3" xsi:nil="true"/>
-    <Image xmlns="71af3243-3dd4-4a8d-8c0d-dd76da1f02a5">
-      <Url xsi:nil="true"/>
-      <Description xsi:nil="true"/>
-    </Image>
-    <Status xmlns="71af3243-3dd4-4a8d-8c0d-dd76da1f02a5">Not started</Status>
-    <Background xmlns="71af3243-3dd4-4a8d-8c0d-dd76da1f02a5">false</Background>
-    <_ip_UnifiedCompliancePolicyProperties xmlns="http://schemas.microsoft.com/sharepoint/v3" xsi:nil="true"/>
-    <ImageTagsTaxHTField xmlns="71af3243-3dd4-4a8d-8c0d-dd76da1f02a5">
-      <Terms xmlns="http://schemas.microsoft.com/office/infopath/2007/PartnerControls"/>
-    </ImageTagsTaxHTField>
-    <TaxCatchAll xmlns="230e9df3-be65-4c73-a93b-d1236ebd677e" xsi:nil="true"/>
-    <MediaServiceKeyPoints xmlns="71af3243-3dd4-4a8d-8c0d-dd76da1f02a5" xsi:nil="true"/>
-  </documentManagement>
-</p:properties>
-</file>
-
 <file path=customXml/item3.xml><?xml version="1.0" encoding="utf-8"?>
 <?mso-contentType ?>
 <FormTemplates xmlns="http://schemas.microsoft.com/sharepoint/v3/contenttype/forms">
@@ -9729,6 +9782,18 @@
 </file>
 
 <file path=customXml/itemProps1.xml><?xml version="1.0" encoding="utf-8"?>
+<ds:datastoreItem xmlns:ds="http://schemas.openxmlformats.org/officeDocument/2006/customXml" ds:itemID="{D1C92F81-A6B6-4190-80A1-406B3B4C18B8}">
+  <ds:schemaRefs>
+    <ds:schemaRef ds:uri="http://schemas.microsoft.com/office/2006/metadata/properties"/>
+    <ds:schemaRef ds:uri="http://schemas.microsoft.com/office/infopath/2007/PartnerControls"/>
+    <ds:schemaRef ds:uri="http://schemas.microsoft.com/sharepoint/v3"/>
+    <ds:schemaRef ds:uri="71af3243-3dd4-4a8d-8c0d-dd76da1f02a5"/>
+    <ds:schemaRef ds:uri="230e9df3-be65-4c73-a93b-d1236ebd677e"/>
+  </ds:schemaRefs>
+</ds:datastoreItem>
+</file>
+
+<file path=customXml/itemProps2.xml><?xml version="1.0" encoding="utf-8"?>
 <ds:datastoreItem xmlns:ds="http://schemas.openxmlformats.org/officeDocument/2006/customXml" ds:itemID="{778B3239-FE1A-45AC-BACA-CC3412D875A1}">
   <ds:schemaRefs>
     <ds:schemaRef ds:uri="http://schemas.microsoft.com/office/2006/metadata/contentType"/>
@@ -9749,18 +9814,6 @@
 </ds:datastoreItem>
 </file>
 
-<file path=customXml/itemProps2.xml><?xml version="1.0" encoding="utf-8"?>
-<ds:datastoreItem xmlns:ds="http://schemas.openxmlformats.org/officeDocument/2006/customXml" ds:itemID="{D1C92F81-A6B6-4190-80A1-406B3B4C18B8}">
-  <ds:schemaRefs>
-    <ds:schemaRef ds:uri="http://schemas.microsoft.com/office/2006/metadata/properties"/>
-    <ds:schemaRef ds:uri="http://schemas.microsoft.com/office/infopath/2007/PartnerControls"/>
-    <ds:schemaRef ds:uri="http://schemas.microsoft.com/sharepoint/v3"/>
-    <ds:schemaRef ds:uri="71af3243-3dd4-4a8d-8c0d-dd76da1f02a5"/>
-    <ds:schemaRef ds:uri="230e9df3-be65-4c73-a93b-d1236ebd677e"/>
-  </ds:schemaRefs>
-</ds:datastoreItem>
-</file>
-
 <file path=customXml/itemProps3.xml><?xml version="1.0" encoding="utf-8"?>
 <ds:datastoreItem xmlns:ds="http://schemas.openxmlformats.org/officeDocument/2006/customXml" ds:itemID="{7B916DD8-9028-41F0-AB19-FE384D2009A2}">
   <ds:schemaRefs>

--- a/第8組期末.pptx
+++ b/第8組期末.pptx
@@ -7022,7 +7022,7 @@
             </a:br>
             <a:r>
               <a:rPr lang="zh-TW" altLang="en-US" sz="2400" dirty="0"/>
-              <a:t>吳建宏</a:t>
+              <a:t>吳建鋐</a:t>
             </a:r>
             <a:br>
               <a:rPr lang="en-US" altLang="zh-TW" sz="2400" dirty="0"/>
@@ -8581,7 +8581,7 @@
             </a:r>
             <a:r>
               <a:rPr lang="zh-TW" altLang="en-US" dirty="0"/>
-              <a:t>吳建宏、林佛兒</a:t>
+              <a:t>吳建鋐、林佛兒</a:t>
             </a:r>
             <a:endParaRPr lang="en-US" altLang="zh-TW" dirty="0"/>
           </a:p>
@@ -8615,7 +8615,7 @@
             </a:r>
             <a:r>
               <a:rPr lang="zh-TW" altLang="en-US" dirty="0"/>
-              <a:t>吳建宏</a:t>
+              <a:t>吳建鋐</a:t>
             </a:r>
             <a:endParaRPr lang="en-US" altLang="zh-TW" dirty="0"/>
           </a:p>
@@ -8630,7 +8630,7 @@
             </a:r>
             <a:r>
               <a:rPr lang="zh-TW" altLang="en-US" dirty="0"/>
-              <a:t>吳建宏、林佛兒</a:t>
+              <a:t>吳建鋐、林佛兒</a:t>
             </a:r>
             <a:endParaRPr lang="en-US" dirty="0"/>
           </a:p>
@@ -9441,26 +9441,6 @@
 </file>
 
 <file path=customXml/item1.xml><?xml version="1.0" encoding="utf-8"?>
-<p:properties xmlns:p="http://schemas.microsoft.com/office/2006/metadata/properties" xmlns:xsi="http://www.w3.org/2001/XMLSchema-instance" xmlns:pc="http://schemas.microsoft.com/office/infopath/2007/PartnerControls">
-  <documentManagement>
-    <_ip_UnifiedCompliancePolicyUIAction xmlns="http://schemas.microsoft.com/sharepoint/v3" xsi:nil="true"/>
-    <Image xmlns="71af3243-3dd4-4a8d-8c0d-dd76da1f02a5">
-      <Url xsi:nil="true"/>
-      <Description xsi:nil="true"/>
-    </Image>
-    <Status xmlns="71af3243-3dd4-4a8d-8c0d-dd76da1f02a5">Not started</Status>
-    <Background xmlns="71af3243-3dd4-4a8d-8c0d-dd76da1f02a5">false</Background>
-    <_ip_UnifiedCompliancePolicyProperties xmlns="http://schemas.microsoft.com/sharepoint/v3" xsi:nil="true"/>
-    <ImageTagsTaxHTField xmlns="71af3243-3dd4-4a8d-8c0d-dd76da1f02a5">
-      <Terms xmlns="http://schemas.microsoft.com/office/infopath/2007/PartnerControls"/>
-    </ImageTagsTaxHTField>
-    <TaxCatchAll xmlns="230e9df3-be65-4c73-a93b-d1236ebd677e" xsi:nil="true"/>
-    <MediaServiceKeyPoints xmlns="71af3243-3dd4-4a8d-8c0d-dd76da1f02a5" xsi:nil="true"/>
-  </documentManagement>
-</p:properties>
-</file>
-
-<file path=customXml/item2.xml><?xml version="1.0" encoding="utf-8"?>
 <ct:contentTypeSchema xmlns:ct="http://schemas.microsoft.com/office/2006/metadata/contentType" xmlns:ma="http://schemas.microsoft.com/office/2006/metadata/properties/metaAttributes" ct:_="" ma:_="" ma:contentTypeName="Document" ma:contentTypeID="0x01010079F111ED35F8CC479449609E8A0923A6" ma:contentTypeVersion="28" ma:contentTypeDescription="Create a new document." ma:contentTypeScope="" ma:versionID="60f5a4f2d2b0abadcf532d48ebf9cb71">
   <xsd:schema xmlns:xsd="http://www.w3.org/2001/XMLSchema" xmlns:xs="http://www.w3.org/2001/XMLSchema" xmlns:p="http://schemas.microsoft.com/office/2006/metadata/properties" xmlns:ns1="http://schemas.microsoft.com/sharepoint/v3" xmlns:ns2="71af3243-3dd4-4a8d-8c0d-dd76da1f02a5" xmlns:ns3="16c05727-aa75-4e4a-9b5f-8a80a1165891" xmlns:ns4="230e9df3-be65-4c73-a93b-d1236ebd677e" targetNamespace="http://schemas.microsoft.com/office/2006/metadata/properties" ma:root="true" ma:fieldsID="7dd78129e6a1811f84807ad11c651531" ns1:_="" ns2:_="" ns3:_="" ns4:_="">
     <xsd:import namespace="http://schemas.microsoft.com/sharepoint/v3"/>
@@ -9772,6 +9752,26 @@
 </ct:contentTypeSchema>
 </file>
 
+<file path=customXml/item2.xml><?xml version="1.0" encoding="utf-8"?>
+<p:properties xmlns:p="http://schemas.microsoft.com/office/2006/metadata/properties" xmlns:xsi="http://www.w3.org/2001/XMLSchema-instance" xmlns:pc="http://schemas.microsoft.com/office/infopath/2007/PartnerControls">
+  <documentManagement>
+    <_ip_UnifiedCompliancePolicyUIAction xmlns="http://schemas.microsoft.com/sharepoint/v3" xsi:nil="true"/>
+    <Image xmlns="71af3243-3dd4-4a8d-8c0d-dd76da1f02a5">
+      <Url xsi:nil="true"/>
+      <Description xsi:nil="true"/>
+    </Image>
+    <Status xmlns="71af3243-3dd4-4a8d-8c0d-dd76da1f02a5">Not started</Status>
+    <Background xmlns="71af3243-3dd4-4a8d-8c0d-dd76da1f02a5">false</Background>
+    <_ip_UnifiedCompliancePolicyProperties xmlns="http://schemas.microsoft.com/sharepoint/v3" xsi:nil="true"/>
+    <ImageTagsTaxHTField xmlns="71af3243-3dd4-4a8d-8c0d-dd76da1f02a5">
+      <Terms xmlns="http://schemas.microsoft.com/office/infopath/2007/PartnerControls"/>
+    </ImageTagsTaxHTField>
+    <TaxCatchAll xmlns="230e9df3-be65-4c73-a93b-d1236ebd677e" xsi:nil="true"/>
+    <MediaServiceKeyPoints xmlns="71af3243-3dd4-4a8d-8c0d-dd76da1f02a5" xsi:nil="true"/>
+  </documentManagement>
+</p:properties>
+</file>
+
 <file path=customXml/item3.xml><?xml version="1.0" encoding="utf-8"?>
 <?mso-contentType ?>
 <FormTemplates xmlns="http://schemas.microsoft.com/sharepoint/v3/contenttype/forms">
@@ -9782,18 +9782,6 @@
 </file>
 
 <file path=customXml/itemProps1.xml><?xml version="1.0" encoding="utf-8"?>
-<ds:datastoreItem xmlns:ds="http://schemas.openxmlformats.org/officeDocument/2006/customXml" ds:itemID="{D1C92F81-A6B6-4190-80A1-406B3B4C18B8}">
-  <ds:schemaRefs>
-    <ds:schemaRef ds:uri="http://schemas.microsoft.com/office/2006/metadata/properties"/>
-    <ds:schemaRef ds:uri="http://schemas.microsoft.com/office/infopath/2007/PartnerControls"/>
-    <ds:schemaRef ds:uri="http://schemas.microsoft.com/sharepoint/v3"/>
-    <ds:schemaRef ds:uri="71af3243-3dd4-4a8d-8c0d-dd76da1f02a5"/>
-    <ds:schemaRef ds:uri="230e9df3-be65-4c73-a93b-d1236ebd677e"/>
-  </ds:schemaRefs>
-</ds:datastoreItem>
-</file>
-
-<file path=customXml/itemProps2.xml><?xml version="1.0" encoding="utf-8"?>
 <ds:datastoreItem xmlns:ds="http://schemas.openxmlformats.org/officeDocument/2006/customXml" ds:itemID="{778B3239-FE1A-45AC-BACA-CC3412D875A1}">
   <ds:schemaRefs>
     <ds:schemaRef ds:uri="http://schemas.microsoft.com/office/2006/metadata/contentType"/>
@@ -9814,6 +9802,18 @@
 </ds:datastoreItem>
 </file>
 
+<file path=customXml/itemProps2.xml><?xml version="1.0" encoding="utf-8"?>
+<ds:datastoreItem xmlns:ds="http://schemas.openxmlformats.org/officeDocument/2006/customXml" ds:itemID="{D1C92F81-A6B6-4190-80A1-406B3B4C18B8}">
+  <ds:schemaRefs>
+    <ds:schemaRef ds:uri="http://schemas.microsoft.com/office/2006/metadata/properties"/>
+    <ds:schemaRef ds:uri="http://schemas.microsoft.com/office/infopath/2007/PartnerControls"/>
+    <ds:schemaRef ds:uri="http://schemas.microsoft.com/sharepoint/v3"/>
+    <ds:schemaRef ds:uri="71af3243-3dd4-4a8d-8c0d-dd76da1f02a5"/>
+    <ds:schemaRef ds:uri="230e9df3-be65-4c73-a93b-d1236ebd677e"/>
+  </ds:schemaRefs>
+</ds:datastoreItem>
+</file>
+
 <file path=customXml/itemProps3.xml><?xml version="1.0" encoding="utf-8"?>
 <ds:datastoreItem xmlns:ds="http://schemas.openxmlformats.org/officeDocument/2006/customXml" ds:itemID="{7B916DD8-9028-41F0-AB19-FE384D2009A2}">
   <ds:schemaRefs>

--- a/第8組期末.pptx
+++ b/第8組期末.pptx
@@ -5,20 +5,21 @@
     <p:sldMasterId id="2147483706" r:id="rId4"/>
   </p:sldMasterIdLst>
   <p:notesMasterIdLst>
-    <p:notesMasterId r:id="rId13"/>
+    <p:notesMasterId r:id="rId14"/>
   </p:notesMasterIdLst>
   <p:handoutMasterIdLst>
-    <p:handoutMasterId r:id="rId14"/>
+    <p:handoutMasterId r:id="rId15"/>
   </p:handoutMasterIdLst>
   <p:sldIdLst>
     <p:sldId id="332" r:id="rId5"/>
     <p:sldId id="334" r:id="rId6"/>
     <p:sldId id="336" r:id="rId7"/>
-    <p:sldId id="337" r:id="rId8"/>
-    <p:sldId id="333" r:id="rId9"/>
-    <p:sldId id="338" r:id="rId10"/>
-    <p:sldId id="339" r:id="rId11"/>
-    <p:sldId id="345" r:id="rId12"/>
+    <p:sldId id="346" r:id="rId8"/>
+    <p:sldId id="337" r:id="rId9"/>
+    <p:sldId id="333" r:id="rId10"/>
+    <p:sldId id="338" r:id="rId11"/>
+    <p:sldId id="339" r:id="rId12"/>
+    <p:sldId id="345" r:id="rId13"/>
   </p:sldIdLst>
   <p:sldSz cx="12192000" cy="6858000"/>
   <p:notesSz cx="6858000" cy="9144000"/>
@@ -994,7 +995,7 @@
           <a:p>
             <a:fld id="{115A580F-E35D-42E1-AF82-E41CC201EA91}" type="slidenum">
               <a:rPr lang="en-US" smtClean="0"/>
-              <a:t>4</a:t>
+              <a:t>5</a:t>
             </a:fld>
             <a:endParaRPr lang="en-US" dirty="0"/>
           </a:p>
@@ -1078,7 +1079,7 @@
           <a:p>
             <a:fld id="{115A580F-E35D-42E1-AF82-E41CC201EA91}" type="slidenum">
               <a:rPr lang="en-US" smtClean="0"/>
-              <a:t>5</a:t>
+              <a:t>6</a:t>
             </a:fld>
             <a:endParaRPr lang="en-US" dirty="0"/>
           </a:p>
@@ -1162,7 +1163,7 @@
           <a:p>
             <a:fld id="{115A580F-E35D-42E1-AF82-E41CC201EA91}" type="slidenum">
               <a:rPr lang="en-US" smtClean="0"/>
-              <a:t>6</a:t>
+              <a:t>7</a:t>
             </a:fld>
             <a:endParaRPr lang="en-US" dirty="0"/>
           </a:p>
@@ -1246,7 +1247,7 @@
           <a:p>
             <a:fld id="{115A580F-E35D-42E1-AF82-E41CC201EA91}" type="slidenum">
               <a:rPr lang="en-US" smtClean="0"/>
-              <a:t>7</a:t>
+              <a:t>8</a:t>
             </a:fld>
             <a:endParaRPr lang="en-US" dirty="0"/>
           </a:p>
@@ -1330,7 +1331,7 @@
           <a:p>
             <a:fld id="{115A580F-E35D-42E1-AF82-E41CC201EA91}" type="slidenum">
               <a:rPr lang="en-US" smtClean="0"/>
-              <a:t>8</a:t>
+              <a:t>9</a:t>
             </a:fld>
             <a:endParaRPr lang="en-US" dirty="0"/>
           </a:p>
@@ -7607,6 +7608,230 @@
       </p:grpSpPr>
       <p:sp>
         <p:nvSpPr>
+          <p:cNvPr id="2" name="標題 1">
+            <a:extLst>
+              <a:ext uri="{FF2B5EF4-FFF2-40B4-BE49-F238E27FC236}">
+                <a16:creationId xmlns:a16="http://schemas.microsoft.com/office/drawing/2014/main" id="{E3901595-D2F5-4548-AFC5-4F5998CC14A7}"/>
+              </a:ext>
+            </a:extLst>
+          </p:cNvPr>
+          <p:cNvSpPr>
+            <a:spLocks noGrp="1"/>
+          </p:cNvSpPr>
+          <p:nvPr>
+            <p:ph type="ctrTitle"/>
+          </p:nvPr>
+        </p:nvSpPr>
+        <p:spPr>
+          <a:xfrm>
+            <a:off x="709238" y="517228"/>
+            <a:ext cx="5854182" cy="1018060"/>
+          </a:xfrm>
+        </p:spPr>
+        <p:txBody>
+          <a:bodyPr>
+            <a:normAutofit/>
+          </a:bodyPr>
+          <a:lstStyle/>
+          <a:p>
+            <a:r>
+              <a:rPr lang="zh-TW" altLang="en-US" sz="4800" dirty="0"/>
+              <a:t>遊玩方式</a:t>
+            </a:r>
+          </a:p>
+        </p:txBody>
+      </p:sp>
+      <p:sp>
+        <p:nvSpPr>
+          <p:cNvPr id="3" name="副標題 2">
+            <a:extLst>
+              <a:ext uri="{FF2B5EF4-FFF2-40B4-BE49-F238E27FC236}">
+                <a16:creationId xmlns:a16="http://schemas.microsoft.com/office/drawing/2014/main" id="{7D6DD2B3-822B-4C1F-BF6A-AE70B526F6E4}"/>
+              </a:ext>
+            </a:extLst>
+          </p:cNvPr>
+          <p:cNvSpPr>
+            <a:spLocks noGrp="1"/>
+          </p:cNvSpPr>
+          <p:nvPr>
+            <p:ph type="subTitle" idx="1"/>
+          </p:nvPr>
+        </p:nvSpPr>
+        <p:spPr>
+          <a:xfrm>
+            <a:off x="811513" y="1749777"/>
+            <a:ext cx="5842218" cy="3567289"/>
+          </a:xfrm>
+        </p:spPr>
+        <p:txBody>
+          <a:bodyPr/>
+          <a:lstStyle/>
+          <a:p>
+            <a:r>
+              <a:rPr lang="zh-TW" altLang="en-US" dirty="0"/>
+              <a:t>開啟檔案</a:t>
+            </a:r>
+            <a:r>
+              <a:rPr lang="en-US" altLang="zh-TW" dirty="0"/>
+              <a:t>:</a:t>
+            </a:r>
+          </a:p>
+          <a:p>
+            <a:r>
+              <a:rPr lang="zh-TW" altLang="en-US" dirty="0"/>
+              <a:t>從</a:t>
+            </a:r>
+            <a:r>
+              <a:rPr lang="en-US" altLang="zh-TW" dirty="0"/>
+              <a:t>”BIG_TWO_GAME”</a:t>
+            </a:r>
+            <a:r>
+              <a:rPr lang="zh-TW" altLang="en-US" dirty="0"/>
+              <a:t>中直接點開</a:t>
+            </a:r>
+            <a:r>
+              <a:rPr lang="en-US" altLang="zh-TW" dirty="0"/>
+              <a:t>”</a:t>
+            </a:r>
+            <a:r>
+              <a:rPr lang="zh-TW" altLang="en-US" dirty="0"/>
+              <a:t>物件專題</a:t>
+            </a:r>
+            <a:r>
+              <a:rPr lang="en-US" altLang="zh-TW" dirty="0"/>
+              <a:t>.exe”</a:t>
+            </a:r>
+            <a:r>
+              <a:rPr lang="zh-TW" altLang="en-US" dirty="0"/>
+              <a:t>，遊戲就會開始</a:t>
+            </a:r>
+            <a:endParaRPr lang="en-US" altLang="zh-TW" dirty="0"/>
+          </a:p>
+          <a:p>
+            <a:r>
+              <a:rPr lang="zh-TW" altLang="en-US" dirty="0"/>
+              <a:t>遊玩過程</a:t>
+            </a:r>
+            <a:r>
+              <a:rPr lang="en-US" altLang="zh-TW" dirty="0"/>
+              <a:t>:</a:t>
+            </a:r>
+          </a:p>
+          <a:p>
+            <a:r>
+              <a:rPr lang="zh-TW" altLang="en-US" dirty="0"/>
+              <a:t>可以出的牌組會暫時放大，用左右鍵從可以出的牌組中選擇，按下</a:t>
+            </a:r>
+            <a:r>
+              <a:rPr lang="en-US" altLang="zh-TW" dirty="0"/>
+              <a:t>enter</a:t>
+            </a:r>
+            <a:r>
+              <a:rPr lang="zh-TW" altLang="en-US" dirty="0"/>
+              <a:t>出牌，按下</a:t>
+            </a:r>
+            <a:r>
+              <a:rPr lang="en-US" altLang="zh-TW" dirty="0"/>
+              <a:t>P</a:t>
+            </a:r>
+            <a:r>
+              <a:rPr lang="zh-TW" altLang="en-US" dirty="0"/>
+              <a:t>進行</a:t>
+            </a:r>
+            <a:r>
+              <a:rPr lang="en-US" altLang="zh-TW" dirty="0"/>
+              <a:t>pass</a:t>
+            </a:r>
+            <a:r>
+              <a:rPr lang="zh-TW" altLang="en-US" dirty="0"/>
+              <a:t>。</a:t>
+            </a:r>
+            <a:endParaRPr lang="en-US" altLang="zh-TW" dirty="0"/>
+          </a:p>
+          <a:p>
+            <a:endParaRPr lang="en-US" altLang="zh-TW" sz="1400" dirty="0"/>
+          </a:p>
+          <a:p>
+            <a:r>
+              <a:rPr lang="en-US" altLang="zh-TW" sz="1400" dirty="0"/>
+              <a:t>#</a:t>
+            </a:r>
+            <a:r>
+              <a:rPr lang="zh-TW" altLang="en-US" sz="1400" dirty="0"/>
+              <a:t>若手牌不會放大代表沒有牌可以出</a:t>
+            </a:r>
+            <a:endParaRPr lang="en-US" altLang="zh-TW" sz="1400" dirty="0"/>
+          </a:p>
+          <a:p>
+            <a:endParaRPr lang="en-US" altLang="zh-TW" dirty="0"/>
+          </a:p>
+          <a:p>
+            <a:endParaRPr lang="zh-TW" altLang="en-US" dirty="0"/>
+          </a:p>
+        </p:txBody>
+      </p:sp>
+      <p:pic>
+        <p:nvPicPr>
+          <p:cNvPr id="12" name="圖片 11">
+            <a:extLst>
+              <a:ext uri="{FF2B5EF4-FFF2-40B4-BE49-F238E27FC236}">
+                <a16:creationId xmlns:a16="http://schemas.microsoft.com/office/drawing/2014/main" id="{6C69EAEC-8827-4C09-A9AE-A185D9007312}"/>
+              </a:ext>
+            </a:extLst>
+          </p:cNvPr>
+          <p:cNvPicPr>
+            <a:picLocks noChangeAspect="1"/>
+          </p:cNvPicPr>
+          <p:nvPr/>
+        </p:nvPicPr>
+        <p:blipFill>
+          <a:blip r:embed="rId2"/>
+          <a:stretch>
+            <a:fillRect/>
+          </a:stretch>
+        </p:blipFill>
+        <p:spPr>
+          <a:xfrm>
+            <a:off x="6883869" y="1645355"/>
+            <a:ext cx="4496618" cy="3567289"/>
+          </a:xfrm>
+          <a:prstGeom prst="rect">
+            <a:avLst/>
+          </a:prstGeom>
+        </p:spPr>
+      </p:pic>
+    </p:spTree>
+    <p:extLst>
+      <p:ext uri="{BB962C8B-B14F-4D97-AF65-F5344CB8AC3E}">
+        <p14:creationId xmlns:p14="http://schemas.microsoft.com/office/powerpoint/2010/main" val="4215606000"/>
+      </p:ext>
+    </p:extLst>
+  </p:cSld>
+  <p:clrMapOvr>
+    <a:masterClrMapping/>
+  </p:clrMapOvr>
+</p:sld>
+</file>
+
+<file path=ppt/slides/slide5.xml><?xml version="1.0" encoding="utf-8"?>
+<p:sld xmlns:a="http://schemas.openxmlformats.org/drawingml/2006/main" xmlns:r="http://schemas.openxmlformats.org/officeDocument/2006/relationships" xmlns:p="http://schemas.openxmlformats.org/presentationml/2006/main">
+  <p:cSld>
+    <p:spTree>
+      <p:nvGrpSpPr>
+        <p:cNvPr id="1" name=""/>
+        <p:cNvGrpSpPr/>
+        <p:nvPr/>
+      </p:nvGrpSpPr>
+      <p:grpSpPr>
+        <a:xfrm>
+          <a:off x="0" y="0"/>
+          <a:ext cx="0" cy="0"/>
+          <a:chOff x="0" y="0"/>
+          <a:chExt cx="0" cy="0"/>
+        </a:xfrm>
+      </p:grpSpPr>
+      <p:sp>
+        <p:nvSpPr>
           <p:cNvPr id="11" name="矩形 10">
             <a:extLst>
               <a:ext uri="{FF2B5EF4-FFF2-40B4-BE49-F238E27FC236}">
@@ -7822,7 +8047,7 @@
             <a:fld id="{C3DB2ADC-AF19-4574-8C10-79B5B04FCA27}" type="slidenum">
               <a:rPr lang="en-US" smtClean="0"/>
               <a:pPr/>
-              <a:t>4</a:t>
+              <a:t>5</a:t>
             </a:fld>
             <a:endParaRPr lang="en-US" dirty="0"/>
           </a:p>
@@ -7870,7 +8095,7 @@
 </p:sld>
 </file>
 
-<file path=ppt/slides/slide5.xml><?xml version="1.0" encoding="utf-8"?>
+<file path=ppt/slides/slide6.xml><?xml version="1.0" encoding="utf-8"?>
 <p:sld xmlns:a="http://schemas.openxmlformats.org/drawingml/2006/main" xmlns:r="http://schemas.openxmlformats.org/officeDocument/2006/relationships" xmlns:p="http://schemas.openxmlformats.org/presentationml/2006/main">
   <p:cSld>
     <p:spTree>
@@ -7940,7 +8165,7 @@
             <a:fld id="{C3DB2ADC-AF19-4574-8C10-79B5B04FCA27}" type="slidenum">
               <a:rPr lang="en-US" smtClean="0"/>
               <a:pPr/>
-              <a:t>5</a:t>
+              <a:t>6</a:t>
             </a:fld>
             <a:endParaRPr lang="en-US" dirty="0"/>
           </a:p>
@@ -8153,7 +8378,7 @@
 </p:sld>
 </file>
 
-<file path=ppt/slides/slide6.xml><?xml version="1.0" encoding="utf-8"?>
+<file path=ppt/slides/slide7.xml><?xml version="1.0" encoding="utf-8"?>
 <p:sld xmlns:a="http://schemas.openxmlformats.org/drawingml/2006/main" xmlns:r="http://schemas.openxmlformats.org/officeDocument/2006/relationships" xmlns:p="http://schemas.openxmlformats.org/presentationml/2006/main">
   <p:cSld>
     <p:spTree>
@@ -8308,7 +8533,7 @@
 </p:sld>
 </file>
 
-<file path=ppt/slides/slide7.xml><?xml version="1.0" encoding="utf-8"?>
+<file path=ppt/slides/slide8.xml><?xml version="1.0" encoding="utf-8"?>
 <p:sld xmlns:a="http://schemas.openxmlformats.org/drawingml/2006/main" xmlns:r="http://schemas.openxmlformats.org/officeDocument/2006/relationships" xmlns:p="http://schemas.openxmlformats.org/presentationml/2006/main">
   <p:cSld>
     <p:spTree>
@@ -8383,7 +8608,7 @@
             <a:fld id="{C3DB2ADC-AF19-4574-8C10-79B5B04FCA27}" type="slidenum">
               <a:rPr lang="en-US" smtClean="0"/>
               <a:pPr/>
-              <a:t>7</a:t>
+              <a:t>8</a:t>
             </a:fld>
             <a:endParaRPr lang="en-US" dirty="0"/>
           </a:p>
@@ -8492,7 +8717,7 @@
 </p:sld>
 </file>
 
-<file path=ppt/slides/slide8.xml><?xml version="1.0" encoding="utf-8"?>
+<file path=ppt/slides/slide9.xml><?xml version="1.0" encoding="utf-8"?>
 <p:sld xmlns:a="http://schemas.openxmlformats.org/drawingml/2006/main" xmlns:r="http://schemas.openxmlformats.org/officeDocument/2006/relationships" xmlns:p="http://schemas.openxmlformats.org/presentationml/2006/main">
   <p:cSld>
     <p:spTree>
@@ -9441,6 +9666,35 @@
 </file>
 
 <file path=customXml/item1.xml><?xml version="1.0" encoding="utf-8"?>
+<?mso-contentType ?>
+<FormTemplates xmlns="http://schemas.microsoft.com/sharepoint/v3/contenttype/forms">
+  <Display>DocumentLibraryForm</Display>
+  <Edit>DocumentLibraryForm</Edit>
+  <New>DocumentLibraryForm</New>
+</FormTemplates>
+</file>
+
+<file path=customXml/item2.xml><?xml version="1.0" encoding="utf-8"?>
+<p:properties xmlns:p="http://schemas.microsoft.com/office/2006/metadata/properties" xmlns:xsi="http://www.w3.org/2001/XMLSchema-instance" xmlns:pc="http://schemas.microsoft.com/office/infopath/2007/PartnerControls">
+  <documentManagement>
+    <_ip_UnifiedCompliancePolicyUIAction xmlns="http://schemas.microsoft.com/sharepoint/v3" xsi:nil="true"/>
+    <Image xmlns="71af3243-3dd4-4a8d-8c0d-dd76da1f02a5">
+      <Url xsi:nil="true"/>
+      <Description xsi:nil="true"/>
+    </Image>
+    <Status xmlns="71af3243-3dd4-4a8d-8c0d-dd76da1f02a5">Not started</Status>
+    <Background xmlns="71af3243-3dd4-4a8d-8c0d-dd76da1f02a5">false</Background>
+    <_ip_UnifiedCompliancePolicyProperties xmlns="http://schemas.microsoft.com/sharepoint/v3" xsi:nil="true"/>
+    <ImageTagsTaxHTField xmlns="71af3243-3dd4-4a8d-8c0d-dd76da1f02a5">
+      <Terms xmlns="http://schemas.microsoft.com/office/infopath/2007/PartnerControls"/>
+    </ImageTagsTaxHTField>
+    <TaxCatchAll xmlns="230e9df3-be65-4c73-a93b-d1236ebd677e" xsi:nil="true"/>
+    <MediaServiceKeyPoints xmlns="71af3243-3dd4-4a8d-8c0d-dd76da1f02a5" xsi:nil="true"/>
+  </documentManagement>
+</p:properties>
+</file>
+
+<file path=customXml/item3.xml><?xml version="1.0" encoding="utf-8"?>
 <ct:contentTypeSchema xmlns:ct="http://schemas.microsoft.com/office/2006/metadata/contentType" xmlns:ma="http://schemas.microsoft.com/office/2006/metadata/properties/metaAttributes" ct:_="" ma:_="" ma:contentTypeName="Document" ma:contentTypeID="0x01010079F111ED35F8CC479449609E8A0923A6" ma:contentTypeVersion="28" ma:contentTypeDescription="Create a new document." ma:contentTypeScope="" ma:versionID="60f5a4f2d2b0abadcf532d48ebf9cb71">
   <xsd:schema xmlns:xsd="http://www.w3.org/2001/XMLSchema" xmlns:xs="http://www.w3.org/2001/XMLSchema" xmlns:p="http://schemas.microsoft.com/office/2006/metadata/properties" xmlns:ns1="http://schemas.microsoft.com/sharepoint/v3" xmlns:ns2="71af3243-3dd4-4a8d-8c0d-dd76da1f02a5" xmlns:ns3="16c05727-aa75-4e4a-9b5f-8a80a1165891" xmlns:ns4="230e9df3-be65-4c73-a93b-d1236ebd677e" targetNamespace="http://schemas.microsoft.com/office/2006/metadata/properties" ma:root="true" ma:fieldsID="7dd78129e6a1811f84807ad11c651531" ns1:_="" ns2:_="" ns3:_="" ns4:_="">
     <xsd:import namespace="http://schemas.microsoft.com/sharepoint/v3"/>
@@ -9752,36 +10006,27 @@
 </ct:contentTypeSchema>
 </file>
 
-<file path=customXml/item2.xml><?xml version="1.0" encoding="utf-8"?>
-<p:properties xmlns:p="http://schemas.microsoft.com/office/2006/metadata/properties" xmlns:xsi="http://www.w3.org/2001/XMLSchema-instance" xmlns:pc="http://schemas.microsoft.com/office/infopath/2007/PartnerControls">
-  <documentManagement>
-    <_ip_UnifiedCompliancePolicyUIAction xmlns="http://schemas.microsoft.com/sharepoint/v3" xsi:nil="true"/>
-    <Image xmlns="71af3243-3dd4-4a8d-8c0d-dd76da1f02a5">
-      <Url xsi:nil="true"/>
-      <Description xsi:nil="true"/>
-    </Image>
-    <Status xmlns="71af3243-3dd4-4a8d-8c0d-dd76da1f02a5">Not started</Status>
-    <Background xmlns="71af3243-3dd4-4a8d-8c0d-dd76da1f02a5">false</Background>
-    <_ip_UnifiedCompliancePolicyProperties xmlns="http://schemas.microsoft.com/sharepoint/v3" xsi:nil="true"/>
-    <ImageTagsTaxHTField xmlns="71af3243-3dd4-4a8d-8c0d-dd76da1f02a5">
-      <Terms xmlns="http://schemas.microsoft.com/office/infopath/2007/PartnerControls"/>
-    </ImageTagsTaxHTField>
-    <TaxCatchAll xmlns="230e9df3-be65-4c73-a93b-d1236ebd677e" xsi:nil="true"/>
-    <MediaServiceKeyPoints xmlns="71af3243-3dd4-4a8d-8c0d-dd76da1f02a5" xsi:nil="true"/>
-  </documentManagement>
-</p:properties>
+<file path=customXml/itemProps1.xml><?xml version="1.0" encoding="utf-8"?>
+<ds:datastoreItem xmlns:ds="http://schemas.openxmlformats.org/officeDocument/2006/customXml" ds:itemID="{7B916DD8-9028-41F0-AB19-FE384D2009A2}">
+  <ds:schemaRefs>
+    <ds:schemaRef ds:uri="http://schemas.microsoft.com/sharepoint/v3/contenttype/forms"/>
+  </ds:schemaRefs>
+</ds:datastoreItem>
 </file>
 
-<file path=customXml/item3.xml><?xml version="1.0" encoding="utf-8"?>
-<?mso-contentType ?>
-<FormTemplates xmlns="http://schemas.microsoft.com/sharepoint/v3/contenttype/forms">
-  <Display>DocumentLibraryForm</Display>
-  <Edit>DocumentLibraryForm</Edit>
-  <New>DocumentLibraryForm</New>
-</FormTemplates>
+<file path=customXml/itemProps2.xml><?xml version="1.0" encoding="utf-8"?>
+<ds:datastoreItem xmlns:ds="http://schemas.openxmlformats.org/officeDocument/2006/customXml" ds:itemID="{D1C92F81-A6B6-4190-80A1-406B3B4C18B8}">
+  <ds:schemaRefs>
+    <ds:schemaRef ds:uri="http://schemas.microsoft.com/office/2006/metadata/properties"/>
+    <ds:schemaRef ds:uri="http://schemas.microsoft.com/office/infopath/2007/PartnerControls"/>
+    <ds:schemaRef ds:uri="http://schemas.microsoft.com/sharepoint/v3"/>
+    <ds:schemaRef ds:uri="71af3243-3dd4-4a8d-8c0d-dd76da1f02a5"/>
+    <ds:schemaRef ds:uri="230e9df3-be65-4c73-a93b-d1236ebd677e"/>
+  </ds:schemaRefs>
+</ds:datastoreItem>
 </file>
 
-<file path=customXml/itemProps1.xml><?xml version="1.0" encoding="utf-8"?>
+<file path=customXml/itemProps3.xml><?xml version="1.0" encoding="utf-8"?>
 <ds:datastoreItem xmlns:ds="http://schemas.openxmlformats.org/officeDocument/2006/customXml" ds:itemID="{778B3239-FE1A-45AC-BACA-CC3412D875A1}">
   <ds:schemaRefs>
     <ds:schemaRef ds:uri="http://schemas.microsoft.com/office/2006/metadata/contentType"/>
@@ -9802,26 +10047,6 @@
 </ds:datastoreItem>
 </file>
 
-<file path=customXml/itemProps2.xml><?xml version="1.0" encoding="utf-8"?>
-<ds:datastoreItem xmlns:ds="http://schemas.openxmlformats.org/officeDocument/2006/customXml" ds:itemID="{D1C92F81-A6B6-4190-80A1-406B3B4C18B8}">
-  <ds:schemaRefs>
-    <ds:schemaRef ds:uri="http://schemas.microsoft.com/office/2006/metadata/properties"/>
-    <ds:schemaRef ds:uri="http://schemas.microsoft.com/office/infopath/2007/PartnerControls"/>
-    <ds:schemaRef ds:uri="http://schemas.microsoft.com/sharepoint/v3"/>
-    <ds:schemaRef ds:uri="71af3243-3dd4-4a8d-8c0d-dd76da1f02a5"/>
-    <ds:schemaRef ds:uri="230e9df3-be65-4c73-a93b-d1236ebd677e"/>
-  </ds:schemaRefs>
-</ds:datastoreItem>
-</file>
-
-<file path=customXml/itemProps3.xml><?xml version="1.0" encoding="utf-8"?>
-<ds:datastoreItem xmlns:ds="http://schemas.openxmlformats.org/officeDocument/2006/customXml" ds:itemID="{7B916DD8-9028-41F0-AB19-FE384D2009A2}">
-  <ds:schemaRefs>
-    <ds:schemaRef ds:uri="http://schemas.microsoft.com/sharepoint/v3/contenttype/forms"/>
-  </ds:schemaRefs>
-</ds:datastoreItem>
-</file>
-
 <file path=docMetadata/LabelInfo.xml><?xml version="1.0" encoding="utf-8"?>
 <clbl:labelList xmlns:clbl="http://schemas.microsoft.com/office/2020/mipLabelMetadata"/>
 </file>